--- a/Documentation/maquette.pptx
+++ b/Documentation/maquette.pptx
@@ -5,8 +5,8 @@
     <p:sldMasterId id="2147483648" r:id="rId1"/>
   </p:sldMasterIdLst>
   <p:sldIdLst>
-    <p:sldId id="257" r:id="rId2"/>
-    <p:sldId id="258" r:id="rId3"/>
+    <p:sldId id="260" r:id="rId2"/>
+    <p:sldId id="261" r:id="rId3"/>
     <p:sldId id="259" r:id="rId4"/>
   </p:sldIdLst>
   <p:sldSz cx="12192000" cy="6858000"/>
@@ -106,6 +106,11 @@
       </a:defRPr>
     </a:lvl9pPr>
   </p:defaultTextStyle>
+  <p:extLst>
+    <p:ext uri="{EFAFB233-063F-42B5-8137-9DF3F51BA10A}">
+      <p15:sldGuideLst xmlns:p15="http://schemas.microsoft.com/office/powerpoint/2012/main"/>
+    </p:ext>
+  </p:extLst>
 </p:presentation>
 </file>
 
@@ -240,7 +245,7 @@
           <a:p>
             <a:fld id="{F3D59BB9-8991-4B67-8C5E-13351E6F4E49}" type="datetimeFigureOut">
               <a:rPr lang="fr-FR" smtClean="0"/>
-              <a:t>10/01/2018</a:t>
+              <a:t>11/01/2018</a:t>
             </a:fld>
             <a:endParaRPr lang="fr-FR"/>
           </a:p>
@@ -410,7 +415,7 @@
           <a:p>
             <a:fld id="{F3D59BB9-8991-4B67-8C5E-13351E6F4E49}" type="datetimeFigureOut">
               <a:rPr lang="fr-FR" smtClean="0"/>
-              <a:t>10/01/2018</a:t>
+              <a:t>11/01/2018</a:t>
             </a:fld>
             <a:endParaRPr lang="fr-FR"/>
           </a:p>
@@ -590,7 +595,7 @@
           <a:p>
             <a:fld id="{F3D59BB9-8991-4B67-8C5E-13351E6F4E49}" type="datetimeFigureOut">
               <a:rPr lang="fr-FR" smtClean="0"/>
-              <a:t>10/01/2018</a:t>
+              <a:t>11/01/2018</a:t>
             </a:fld>
             <a:endParaRPr lang="fr-FR"/>
           </a:p>
@@ -760,7 +765,7 @@
           <a:p>
             <a:fld id="{F3D59BB9-8991-4B67-8C5E-13351E6F4E49}" type="datetimeFigureOut">
               <a:rPr lang="fr-FR" smtClean="0"/>
-              <a:t>10/01/2018</a:t>
+              <a:t>11/01/2018</a:t>
             </a:fld>
             <a:endParaRPr lang="fr-FR"/>
           </a:p>
@@ -1006,7 +1011,7 @@
           <a:p>
             <a:fld id="{F3D59BB9-8991-4B67-8C5E-13351E6F4E49}" type="datetimeFigureOut">
               <a:rPr lang="fr-FR" smtClean="0"/>
-              <a:t>10/01/2018</a:t>
+              <a:t>11/01/2018</a:t>
             </a:fld>
             <a:endParaRPr lang="fr-FR"/>
           </a:p>
@@ -1238,7 +1243,7 @@
           <a:p>
             <a:fld id="{F3D59BB9-8991-4B67-8C5E-13351E6F4E49}" type="datetimeFigureOut">
               <a:rPr lang="fr-FR" smtClean="0"/>
-              <a:t>10/01/2018</a:t>
+              <a:t>11/01/2018</a:t>
             </a:fld>
             <a:endParaRPr lang="fr-FR"/>
           </a:p>
@@ -1605,7 +1610,7 @@
           <a:p>
             <a:fld id="{F3D59BB9-8991-4B67-8C5E-13351E6F4E49}" type="datetimeFigureOut">
               <a:rPr lang="fr-FR" smtClean="0"/>
-              <a:t>10/01/2018</a:t>
+              <a:t>11/01/2018</a:t>
             </a:fld>
             <a:endParaRPr lang="fr-FR"/>
           </a:p>
@@ -1723,7 +1728,7 @@
           <a:p>
             <a:fld id="{F3D59BB9-8991-4B67-8C5E-13351E6F4E49}" type="datetimeFigureOut">
               <a:rPr lang="fr-FR" smtClean="0"/>
-              <a:t>10/01/2018</a:t>
+              <a:t>11/01/2018</a:t>
             </a:fld>
             <a:endParaRPr lang="fr-FR"/>
           </a:p>
@@ -1818,7 +1823,7 @@
           <a:p>
             <a:fld id="{F3D59BB9-8991-4B67-8C5E-13351E6F4E49}" type="datetimeFigureOut">
               <a:rPr lang="fr-FR" smtClean="0"/>
-              <a:t>10/01/2018</a:t>
+              <a:t>11/01/2018</a:t>
             </a:fld>
             <a:endParaRPr lang="fr-FR"/>
           </a:p>
@@ -2095,7 +2100,7 @@
           <a:p>
             <a:fld id="{F3D59BB9-8991-4B67-8C5E-13351E6F4E49}" type="datetimeFigureOut">
               <a:rPr lang="fr-FR" smtClean="0"/>
-              <a:t>10/01/2018</a:t>
+              <a:t>11/01/2018</a:t>
             </a:fld>
             <a:endParaRPr lang="fr-FR"/>
           </a:p>
@@ -2348,7 +2353,7 @@
           <a:p>
             <a:fld id="{F3D59BB9-8991-4B67-8C5E-13351E6F4E49}" type="datetimeFigureOut">
               <a:rPr lang="fr-FR" smtClean="0"/>
-              <a:t>10/01/2018</a:t>
+              <a:t>11/01/2018</a:t>
             </a:fld>
             <a:endParaRPr lang="fr-FR"/>
           </a:p>
@@ -2561,7 +2566,7 @@
           <a:p>
             <a:fld id="{F3D59BB9-8991-4B67-8C5E-13351E6F4E49}" type="datetimeFigureOut">
               <a:rPr lang="fr-FR" smtClean="0"/>
-              <a:t>10/01/2018</a:t>
+              <a:t>11/01/2018</a:t>
             </a:fld>
             <a:endParaRPr lang="fr-FR"/>
           </a:p>
@@ -3027,7 +3032,7 @@
         <p:spPr>
           <a:xfrm>
             <a:off x="1235674" y="1441621"/>
-            <a:ext cx="5964195" cy="4534929"/>
+            <a:ext cx="5964195" cy="4547287"/>
           </a:xfrm>
           <a:prstGeom prst="rect">
             <a:avLst/>
@@ -3063,8 +3068,15 @@
           <a:bodyPr rtlCol="0" anchor="ctr"/>
           <a:lstStyle/>
           <a:p>
-            <a:pPr algn="ctr"/>
-            <a:endParaRPr lang="fr-FR" dirty="0"/>
+            <a:endParaRPr lang="fr-FR" dirty="0">
+              <a:solidFill>
+                <a:schemeClr val="tx1">
+                  <a:lumMod val="65000"/>
+                  <a:lumOff val="35000"/>
+                </a:schemeClr>
+              </a:solidFill>
+              <a:latin typeface="+mj-lt"/>
+            </a:endParaRPr>
           </a:p>
         </p:txBody>
       </p:sp>
@@ -3133,7 +3145,7 @@
         <p:spPr>
           <a:xfrm>
             <a:off x="1235675" y="1798249"/>
-            <a:ext cx="2454876" cy="369332"/>
+            <a:ext cx="3105665" cy="369332"/>
           </a:xfrm>
           <a:prstGeom prst="rect">
             <a:avLst/>
@@ -3147,7 +3159,7 @@
           <a:lstStyle/>
           <a:p>
             <a:r>
-              <a:rPr lang="fr-FR" dirty="0" smtClean="0">
+              <a:rPr lang="fr-FR" u="sng" dirty="0" smtClean="0">
                 <a:solidFill>
                   <a:schemeClr val="tx1">
                     <a:lumMod val="65000"/>
@@ -3156,9 +3168,21 @@
                 </a:solidFill>
                 <a:latin typeface="+mj-lt"/>
               </a:rPr>
-              <a:t>Places disponibles : 10</a:t>
-            </a:r>
-            <a:endParaRPr lang="fr-FR" dirty="0">
+              <a:t>Choisir un </a:t>
+            </a:r>
+            <a:r>
+              <a:rPr lang="fr-FR" u="sng" dirty="0" smtClean="0">
+                <a:solidFill>
+                  <a:schemeClr val="tx1">
+                    <a:lumMod val="65000"/>
+                    <a:lumOff val="35000"/>
+                  </a:schemeClr>
+                </a:solidFill>
+                <a:latin typeface="+mj-lt"/>
+              </a:rPr>
+              <a:t>client</a:t>
+            </a:r>
+            <a:endParaRPr lang="fr-FR" u="sng" dirty="0">
               <a:solidFill>
                 <a:schemeClr val="tx1">
                   <a:lumMod val="65000"/>
@@ -3172,14 +3196,14 @@
       </p:sp>
       <p:sp>
         <p:nvSpPr>
-          <p:cNvPr id="2" name="Rectangle 1"/>
+          <p:cNvPr id="10" name="Rectangle 9"/>
           <p:cNvSpPr/>
           <p:nvPr/>
         </p:nvSpPr>
         <p:spPr>
           <a:xfrm>
-            <a:off x="3686428" y="3231293"/>
-            <a:ext cx="1062683" cy="358344"/>
+            <a:off x="5551714" y="5585253"/>
+            <a:ext cx="1582252" cy="304800"/>
           </a:xfrm>
           <a:prstGeom prst="rect">
             <a:avLst/>
@@ -3228,7 +3252,7 @@
                 </a:solidFill>
                 <a:latin typeface="+mj-lt"/>
               </a:rPr>
-              <a:t>Se garer</a:t>
+              <a:t>Nouveau client</a:t>
             </a:r>
             <a:endParaRPr lang="fr-FR" dirty="0">
               <a:solidFill>
@@ -3244,13 +3268,252 @@
       </p:sp>
       <p:sp>
         <p:nvSpPr>
-          <p:cNvPr id="10" name="Rectangle 9"/>
+          <p:cNvPr id="2" name="ZoneTexte 1"/>
+          <p:cNvSpPr txBox="1"/>
+          <p:nvPr/>
+        </p:nvSpPr>
+        <p:spPr>
+          <a:xfrm>
+            <a:off x="1556950" y="2390003"/>
+            <a:ext cx="2221947" cy="1061829"/>
+          </a:xfrm>
+          <a:prstGeom prst="rect">
+            <a:avLst/>
+          </a:prstGeom>
+          <a:noFill/>
+        </p:spPr>
+        <p:txBody>
+          <a:bodyPr wrap="square" rtlCol="0">
+            <a:spAutoFit/>
+          </a:bodyPr>
+          <a:lstStyle/>
+          <a:p>
+            <a:pPr>
+              <a:spcAft>
+                <a:spcPts val="600"/>
+              </a:spcAft>
+            </a:pPr>
+            <a:r>
+              <a:rPr lang="fr-FR" sz="1200" dirty="0" smtClean="0">
+                <a:latin typeface="+mj-lt"/>
+              </a:rPr>
+              <a:t>Arnaud SIBADE</a:t>
+            </a:r>
+          </a:p>
+          <a:p>
+            <a:pPr>
+              <a:spcAft>
+                <a:spcPts val="600"/>
+              </a:spcAft>
+            </a:pPr>
+            <a:r>
+              <a:rPr lang="fr-FR" sz="1200" dirty="0" smtClean="0">
+                <a:latin typeface="+mj-lt"/>
+              </a:rPr>
+              <a:t>Yoann </a:t>
+            </a:r>
+            <a:r>
+              <a:rPr lang="fr-FR" sz="1200" dirty="0" err="1" smtClean="0">
+                <a:latin typeface="+mj-lt"/>
+              </a:rPr>
+              <a:t>Gathignol</a:t>
+            </a:r>
+            <a:endParaRPr lang="fr-FR" sz="1200" dirty="0" smtClean="0">
+              <a:latin typeface="+mj-lt"/>
+            </a:endParaRPr>
+          </a:p>
+          <a:p>
+            <a:pPr>
+              <a:spcAft>
+                <a:spcPts val="600"/>
+              </a:spcAft>
+            </a:pPr>
+            <a:r>
+              <a:rPr lang="fr-FR" sz="1200" dirty="0" smtClean="0">
+                <a:latin typeface="+mj-lt"/>
+              </a:rPr>
+              <a:t>Ticket 3</a:t>
+            </a:r>
+          </a:p>
+          <a:p>
+            <a:pPr>
+              <a:spcAft>
+                <a:spcPts val="600"/>
+              </a:spcAft>
+            </a:pPr>
+            <a:r>
+              <a:rPr lang="fr-FR" sz="1200" dirty="0" smtClean="0">
+                <a:latin typeface="+mj-lt"/>
+              </a:rPr>
+              <a:t>Ticket 4</a:t>
+            </a:r>
+            <a:endParaRPr lang="fr-FR" sz="1200" dirty="0">
+              <a:latin typeface="+mj-lt"/>
+            </a:endParaRPr>
+          </a:p>
+        </p:txBody>
+      </p:sp>
+      <p:cxnSp>
+        <p:nvCxnSpPr>
+          <p:cNvPr id="9" name="Connecteur droit 8"/>
+          <p:cNvCxnSpPr/>
+          <p:nvPr/>
+        </p:nvCxnSpPr>
+        <p:spPr>
+          <a:xfrm>
+            <a:off x="4341341" y="1441621"/>
+            <a:ext cx="0" cy="3212756"/>
+          </a:xfrm>
+          <a:prstGeom prst="line">
+            <a:avLst/>
+          </a:prstGeom>
+          <a:ln w="76200">
+            <a:solidFill>
+              <a:schemeClr val="bg1">
+                <a:lumMod val="75000"/>
+              </a:schemeClr>
+            </a:solidFill>
+          </a:ln>
+        </p:spPr>
+        <p:style>
+          <a:lnRef idx="1">
+            <a:schemeClr val="accent1"/>
+          </a:lnRef>
+          <a:fillRef idx="0">
+            <a:schemeClr val="accent1"/>
+          </a:fillRef>
+          <a:effectRef idx="0">
+            <a:schemeClr val="accent1"/>
+          </a:effectRef>
+          <a:fontRef idx="minor">
+            <a:schemeClr val="tx1"/>
+          </a:fontRef>
+        </p:style>
+      </p:cxnSp>
+      <p:sp>
+        <p:nvSpPr>
+          <p:cNvPr id="12" name="ZoneTexte 11"/>
+          <p:cNvSpPr txBox="1"/>
+          <p:nvPr/>
+        </p:nvSpPr>
+        <p:spPr>
+          <a:xfrm>
+            <a:off x="4380468" y="1798249"/>
+            <a:ext cx="2780270" cy="369332"/>
+          </a:xfrm>
+          <a:prstGeom prst="rect">
+            <a:avLst/>
+          </a:prstGeom>
+          <a:noFill/>
+        </p:spPr>
+        <p:txBody>
+          <a:bodyPr wrap="square" rtlCol="0">
+            <a:spAutoFit/>
+          </a:bodyPr>
+          <a:lstStyle/>
+          <a:p>
+            <a:r>
+              <a:rPr lang="fr-FR" u="sng" dirty="0" smtClean="0">
+                <a:solidFill>
+                  <a:schemeClr val="tx1">
+                    <a:lumMod val="65000"/>
+                    <a:lumOff val="35000"/>
+                  </a:schemeClr>
+                </a:solidFill>
+                <a:latin typeface="+mj-lt"/>
+              </a:rPr>
+              <a:t>Arnaud SIBADE</a:t>
+            </a:r>
+            <a:endParaRPr lang="fr-FR" u="sng" dirty="0">
+              <a:solidFill>
+                <a:schemeClr val="tx1">
+                  <a:lumMod val="65000"/>
+                  <a:lumOff val="35000"/>
+                </a:schemeClr>
+              </a:solidFill>
+              <a:latin typeface="+mj-lt"/>
+            </a:endParaRPr>
+          </a:p>
+        </p:txBody>
+      </p:sp>
+      <p:sp>
+        <p:nvSpPr>
+          <p:cNvPr id="13" name="ZoneTexte 12"/>
+          <p:cNvSpPr txBox="1"/>
+          <p:nvPr/>
+        </p:nvSpPr>
+        <p:spPr>
+          <a:xfrm>
+            <a:off x="4622457" y="2391033"/>
+            <a:ext cx="2172731" cy="1061829"/>
+          </a:xfrm>
+          <a:prstGeom prst="rect">
+            <a:avLst/>
+          </a:prstGeom>
+          <a:noFill/>
+        </p:spPr>
+        <p:txBody>
+          <a:bodyPr wrap="square" rtlCol="0">
+            <a:spAutoFit/>
+          </a:bodyPr>
+          <a:lstStyle/>
+          <a:p>
+            <a:pPr>
+              <a:spcAft>
+                <a:spcPts val="600"/>
+              </a:spcAft>
+            </a:pPr>
+            <a:r>
+              <a:rPr lang="fr-FR" sz="1200" dirty="0" smtClean="0">
+                <a:latin typeface="+mj-lt"/>
+              </a:rPr>
+              <a:t>Type : Super abonné</a:t>
+            </a:r>
+            <a:endParaRPr lang="fr-FR" sz="1200" dirty="0" smtClean="0">
+              <a:latin typeface="+mj-lt"/>
+            </a:endParaRPr>
+          </a:p>
+          <a:p>
+            <a:pPr>
+              <a:spcAft>
+                <a:spcPts val="600"/>
+              </a:spcAft>
+            </a:pPr>
+            <a:endParaRPr lang="fr-FR" sz="1200" dirty="0">
+              <a:latin typeface="+mj-lt"/>
+            </a:endParaRPr>
+          </a:p>
+          <a:p>
+            <a:pPr>
+              <a:spcAft>
+                <a:spcPts val="600"/>
+              </a:spcAft>
+            </a:pPr>
+            <a:endParaRPr lang="fr-FR" sz="1200" dirty="0" smtClean="0">
+              <a:latin typeface="+mj-lt"/>
+            </a:endParaRPr>
+          </a:p>
+          <a:p>
+            <a:pPr>
+              <a:spcAft>
+                <a:spcPts val="600"/>
+              </a:spcAft>
+            </a:pPr>
+            <a:endParaRPr lang="fr-FR" sz="1200" dirty="0">
+              <a:latin typeface="+mj-lt"/>
+            </a:endParaRPr>
+          </a:p>
+        </p:txBody>
+      </p:sp>
+      <p:sp>
+        <p:nvSpPr>
+          <p:cNvPr id="18" name="Rectangle 17"/>
           <p:cNvSpPr/>
           <p:nvPr/>
         </p:nvSpPr>
         <p:spPr>
           <a:xfrm>
-            <a:off x="3012985" y="3865604"/>
+            <a:off x="4547156" y="4242980"/>
             <a:ext cx="2409570" cy="358344"/>
           </a:xfrm>
           <a:prstGeom prst="rect">
@@ -3314,10 +3577,82 @@
           </a:p>
         </p:txBody>
       </p:sp>
+      <p:sp>
+        <p:nvSpPr>
+          <p:cNvPr id="19" name="Rectangle 18"/>
+          <p:cNvSpPr/>
+          <p:nvPr/>
+        </p:nvSpPr>
+        <p:spPr>
+          <a:xfrm>
+            <a:off x="4547156" y="3665934"/>
+            <a:ext cx="1062683" cy="358344"/>
+          </a:xfrm>
+          <a:prstGeom prst="rect">
+            <a:avLst/>
+          </a:prstGeom>
+          <a:solidFill>
+            <a:schemeClr val="bg1">
+              <a:lumMod val="95000"/>
+            </a:schemeClr>
+          </a:solidFill>
+          <a:ln>
+            <a:solidFill>
+              <a:schemeClr val="bg1">
+                <a:lumMod val="75000"/>
+              </a:schemeClr>
+            </a:solidFill>
+          </a:ln>
+        </p:spPr>
+        <p:style>
+          <a:lnRef idx="2">
+            <a:schemeClr val="accent1">
+              <a:shade val="50000"/>
+            </a:schemeClr>
+          </a:lnRef>
+          <a:fillRef idx="1">
+            <a:schemeClr val="accent1"/>
+          </a:fillRef>
+          <a:effectRef idx="0">
+            <a:schemeClr val="accent1"/>
+          </a:effectRef>
+          <a:fontRef idx="minor">
+            <a:schemeClr val="lt1"/>
+          </a:fontRef>
+        </p:style>
+        <p:txBody>
+          <a:bodyPr rtlCol="0" anchor="ctr"/>
+          <a:lstStyle/>
+          <a:p>
+            <a:pPr algn="ctr"/>
+            <a:r>
+              <a:rPr lang="fr-FR" dirty="0" smtClean="0">
+                <a:solidFill>
+                  <a:schemeClr val="tx1">
+                    <a:lumMod val="65000"/>
+                    <a:lumOff val="35000"/>
+                  </a:schemeClr>
+                </a:solidFill>
+                <a:latin typeface="+mj-lt"/>
+              </a:rPr>
+              <a:t>Se garer</a:t>
+            </a:r>
+            <a:endParaRPr lang="fr-FR" dirty="0">
+              <a:solidFill>
+                <a:schemeClr val="tx1">
+                  <a:lumMod val="65000"/>
+                  <a:lumOff val="35000"/>
+                </a:schemeClr>
+              </a:solidFill>
+              <a:latin typeface="+mj-lt"/>
+            </a:endParaRPr>
+          </a:p>
+        </p:txBody>
+      </p:sp>
     </p:spTree>
     <p:extLst>
       <p:ext uri="{BB962C8B-B14F-4D97-AF65-F5344CB8AC3E}">
-        <p14:creationId xmlns:p14="http://schemas.microsoft.com/office/powerpoint/2010/main" val="2706329043"/>
+        <p14:creationId xmlns:p14="http://schemas.microsoft.com/office/powerpoint/2010/main" val="2999718988"/>
       </p:ext>
     </p:extLst>
   </p:cSld>
@@ -3441,8 +3776,15 @@
           <a:bodyPr rtlCol="0" anchor="ctr"/>
           <a:lstStyle/>
           <a:p>
-            <a:pPr algn="ctr"/>
-            <a:endParaRPr lang="fr-FR" dirty="0"/>
+            <a:endParaRPr lang="fr-FR" dirty="0">
+              <a:solidFill>
+                <a:schemeClr val="tx1">
+                  <a:lumMod val="65000"/>
+                  <a:lumOff val="35000"/>
+                </a:schemeClr>
+              </a:solidFill>
+              <a:latin typeface="+mj-lt"/>
+            </a:endParaRPr>
           </a:p>
         </p:txBody>
       </p:sp>
@@ -3511,7 +3853,7 @@
         <p:spPr>
           <a:xfrm>
             <a:off x="1235675" y="1798249"/>
-            <a:ext cx="3385752" cy="369332"/>
+            <a:ext cx="3105665" cy="369332"/>
           </a:xfrm>
           <a:prstGeom prst="rect">
             <a:avLst/>
@@ -3534,7 +3876,19 @@
                 </a:solidFill>
                 <a:latin typeface="+mj-lt"/>
               </a:rPr>
-              <a:t>Demande d’une place de parking</a:t>
+              <a:t>Choisir un </a:t>
+            </a:r>
+            <a:r>
+              <a:rPr lang="fr-FR" u="sng" dirty="0" smtClean="0">
+                <a:solidFill>
+                  <a:schemeClr val="tx1">
+                    <a:lumMod val="65000"/>
+                    <a:lumOff val="35000"/>
+                  </a:schemeClr>
+                </a:solidFill>
+                <a:latin typeface="+mj-lt"/>
+              </a:rPr>
+              <a:t>véhicule</a:t>
             </a:r>
             <a:endParaRPr lang="fr-FR" u="sng" dirty="0">
               <a:solidFill>
@@ -3556,8 +3910,8 @@
         </p:nvSpPr>
         <p:spPr>
           <a:xfrm>
-            <a:off x="5972432" y="5585253"/>
-            <a:ext cx="1161534" cy="304800"/>
+            <a:off x="1340918" y="5602408"/>
+            <a:ext cx="1908823" cy="304800"/>
           </a:xfrm>
           <a:prstGeom prst="rect">
             <a:avLst/>
@@ -3595,7 +3949,7 @@
           <a:bodyPr rtlCol="0" anchor="ctr"/>
           <a:lstStyle/>
           <a:p>
-            <a:pPr algn="r"/>
+            <a:pPr algn="ctr"/>
             <a:r>
               <a:rPr lang="fr-FR" dirty="0" smtClean="0">
                 <a:solidFill>
@@ -3606,7 +3960,7 @@
                 </a:solidFill>
                 <a:latin typeface="+mj-lt"/>
               </a:rPr>
-              <a:t>Retour</a:t>
+              <a:t>Nouveau véhicule</a:t>
             </a:r>
             <a:endParaRPr lang="fr-FR" dirty="0">
               <a:solidFill>
@@ -3622,18 +3976,285 @@
       </p:sp>
       <p:sp>
         <p:nvSpPr>
-          <p:cNvPr id="3" name="Flèche courbée vers le bas 2"/>
+          <p:cNvPr id="2" name="ZoneTexte 1"/>
+          <p:cNvSpPr txBox="1"/>
+          <p:nvPr/>
+        </p:nvSpPr>
+        <p:spPr>
+          <a:xfrm>
+            <a:off x="1556950" y="2390003"/>
+            <a:ext cx="2221947" cy="1061829"/>
+          </a:xfrm>
+          <a:prstGeom prst="rect">
+            <a:avLst/>
+          </a:prstGeom>
+          <a:noFill/>
+        </p:spPr>
+        <p:txBody>
+          <a:bodyPr wrap="square" rtlCol="0">
+            <a:spAutoFit/>
+          </a:bodyPr>
+          <a:lstStyle/>
+          <a:p>
+            <a:pPr>
+              <a:spcAft>
+                <a:spcPts val="600"/>
+              </a:spcAft>
+            </a:pPr>
+            <a:r>
+              <a:rPr lang="fr-FR" sz="1200" dirty="0" smtClean="0">
+                <a:latin typeface="+mj-lt"/>
+              </a:rPr>
+              <a:t>Voiture BMW</a:t>
+            </a:r>
+            <a:endParaRPr lang="fr-FR" sz="1200" dirty="0" smtClean="0">
+              <a:latin typeface="+mj-lt"/>
+            </a:endParaRPr>
+          </a:p>
+          <a:p>
+            <a:pPr>
+              <a:spcAft>
+                <a:spcPts val="600"/>
+              </a:spcAft>
+            </a:pPr>
+            <a:r>
+              <a:rPr lang="fr-FR" sz="1200" dirty="0" smtClean="0">
+                <a:latin typeface="+mj-lt"/>
+              </a:rPr>
+              <a:t>Moto YAMAHA</a:t>
+            </a:r>
+            <a:endParaRPr lang="fr-FR" sz="1200" dirty="0" smtClean="0">
+              <a:latin typeface="+mj-lt"/>
+            </a:endParaRPr>
+          </a:p>
+          <a:p>
+            <a:pPr>
+              <a:spcAft>
+                <a:spcPts val="600"/>
+              </a:spcAft>
+            </a:pPr>
+            <a:r>
+              <a:rPr lang="fr-FR" sz="1200" dirty="0" smtClean="0">
+                <a:latin typeface="+mj-lt"/>
+              </a:rPr>
+              <a:t>Camion </a:t>
+            </a:r>
+            <a:endParaRPr lang="fr-FR" sz="1200" dirty="0" smtClean="0">
+              <a:latin typeface="+mj-lt"/>
+            </a:endParaRPr>
+          </a:p>
+          <a:p>
+            <a:pPr>
+              <a:spcAft>
+                <a:spcPts val="600"/>
+              </a:spcAft>
+            </a:pPr>
+            <a:endParaRPr lang="fr-FR" sz="1200" dirty="0">
+              <a:latin typeface="+mj-lt"/>
+            </a:endParaRPr>
+          </a:p>
+        </p:txBody>
+      </p:sp>
+      <p:cxnSp>
+        <p:nvCxnSpPr>
+          <p:cNvPr id="9" name="Connecteur droit 8"/>
+          <p:cNvCxnSpPr/>
+          <p:nvPr/>
+        </p:nvCxnSpPr>
+        <p:spPr>
+          <a:xfrm>
+            <a:off x="4341341" y="1441621"/>
+            <a:ext cx="0" cy="3212756"/>
+          </a:xfrm>
+          <a:prstGeom prst="line">
+            <a:avLst/>
+          </a:prstGeom>
+          <a:ln w="76200">
+            <a:solidFill>
+              <a:schemeClr val="bg1">
+                <a:lumMod val="75000"/>
+              </a:schemeClr>
+            </a:solidFill>
+          </a:ln>
+        </p:spPr>
+        <p:style>
+          <a:lnRef idx="1">
+            <a:schemeClr val="accent1"/>
+          </a:lnRef>
+          <a:fillRef idx="0">
+            <a:schemeClr val="accent1"/>
+          </a:fillRef>
+          <a:effectRef idx="0">
+            <a:schemeClr val="accent1"/>
+          </a:effectRef>
+          <a:fontRef idx="minor">
+            <a:schemeClr val="tx1"/>
+          </a:fontRef>
+        </p:style>
+      </p:cxnSp>
+      <p:sp>
+        <p:nvSpPr>
+          <p:cNvPr id="12" name="ZoneTexte 11"/>
+          <p:cNvSpPr txBox="1"/>
+          <p:nvPr/>
+        </p:nvSpPr>
+        <p:spPr>
+          <a:xfrm>
+            <a:off x="4380468" y="1798249"/>
+            <a:ext cx="2780270" cy="369332"/>
+          </a:xfrm>
+          <a:prstGeom prst="rect">
+            <a:avLst/>
+          </a:prstGeom>
+          <a:noFill/>
+        </p:spPr>
+        <p:txBody>
+          <a:bodyPr wrap="square" rtlCol="0">
+            <a:spAutoFit/>
+          </a:bodyPr>
+          <a:lstStyle/>
+          <a:p>
+            <a:r>
+              <a:rPr lang="fr-FR" u="sng" dirty="0" smtClean="0">
+                <a:solidFill>
+                  <a:schemeClr val="tx1">
+                    <a:lumMod val="65000"/>
+                    <a:lumOff val="35000"/>
+                  </a:schemeClr>
+                </a:solidFill>
+                <a:latin typeface="+mj-lt"/>
+              </a:rPr>
+              <a:t>Voiture BMW</a:t>
+            </a:r>
+            <a:endParaRPr lang="fr-FR" u="sng" dirty="0">
+              <a:solidFill>
+                <a:schemeClr val="tx1">
+                  <a:lumMod val="65000"/>
+                  <a:lumOff val="35000"/>
+                </a:schemeClr>
+              </a:solidFill>
+              <a:latin typeface="+mj-lt"/>
+            </a:endParaRPr>
+          </a:p>
+        </p:txBody>
+      </p:sp>
+      <p:sp>
+        <p:nvSpPr>
+          <p:cNvPr id="13" name="ZoneTexte 12"/>
+          <p:cNvSpPr txBox="1"/>
+          <p:nvPr/>
+        </p:nvSpPr>
+        <p:spPr>
+          <a:xfrm>
+            <a:off x="4622457" y="2391033"/>
+            <a:ext cx="2172731" cy="1323439"/>
+          </a:xfrm>
+          <a:prstGeom prst="rect">
+            <a:avLst/>
+          </a:prstGeom>
+          <a:noFill/>
+        </p:spPr>
+        <p:txBody>
+          <a:bodyPr wrap="square" rtlCol="0">
+            <a:spAutoFit/>
+          </a:bodyPr>
+          <a:lstStyle/>
+          <a:p>
+            <a:pPr>
+              <a:spcAft>
+                <a:spcPts val="600"/>
+              </a:spcAft>
+            </a:pPr>
+            <a:r>
+              <a:rPr lang="fr-FR" sz="1200" dirty="0" smtClean="0">
+                <a:latin typeface="+mj-lt"/>
+              </a:rPr>
+              <a:t>Plaque : </a:t>
+            </a:r>
+            <a:r>
+              <a:rPr lang="fr-FR" sz="1200" dirty="0" smtClean="0">
+                <a:latin typeface="+mj-lt"/>
+              </a:rPr>
+              <a:t>Super abonné</a:t>
+            </a:r>
+          </a:p>
+          <a:p>
+            <a:pPr>
+              <a:spcAft>
+                <a:spcPts val="600"/>
+              </a:spcAft>
+            </a:pPr>
+            <a:r>
+              <a:rPr lang="fr-FR" sz="1200" dirty="0" smtClean="0">
+                <a:latin typeface="+mj-lt"/>
+              </a:rPr>
+              <a:t>Hauteur :</a:t>
+            </a:r>
+          </a:p>
+          <a:p>
+            <a:pPr>
+              <a:spcAft>
+                <a:spcPts val="600"/>
+              </a:spcAft>
+            </a:pPr>
+            <a:r>
+              <a:rPr lang="fr-FR" sz="1200" dirty="0" smtClean="0">
+                <a:latin typeface="+mj-lt"/>
+              </a:rPr>
+              <a:t>Largeur :</a:t>
+            </a:r>
+            <a:endParaRPr lang="fr-FR" sz="1200" dirty="0">
+              <a:latin typeface="+mj-lt"/>
+            </a:endParaRPr>
+          </a:p>
+          <a:p>
+            <a:pPr>
+              <a:spcAft>
+                <a:spcPts val="600"/>
+              </a:spcAft>
+            </a:pPr>
+            <a:endParaRPr lang="fr-FR" sz="1200" dirty="0" smtClean="0">
+              <a:latin typeface="+mj-lt"/>
+            </a:endParaRPr>
+          </a:p>
+          <a:p>
+            <a:pPr>
+              <a:spcAft>
+                <a:spcPts val="600"/>
+              </a:spcAft>
+            </a:pPr>
+            <a:endParaRPr lang="fr-FR" sz="1200" dirty="0">
+              <a:latin typeface="+mj-lt"/>
+            </a:endParaRPr>
+          </a:p>
+        </p:txBody>
+      </p:sp>
+      <p:sp>
+        <p:nvSpPr>
+          <p:cNvPr id="17" name="Rectangle 16"/>
           <p:cNvSpPr/>
           <p:nvPr/>
         </p:nvSpPr>
         <p:spPr>
-          <a:xfrm flipH="1">
-            <a:off x="6077461" y="5691832"/>
-            <a:ext cx="199770" cy="91641"/>
-          </a:xfrm>
-          <a:prstGeom prst="curvedDownArrow">
+          <a:xfrm>
+            <a:off x="4528496" y="4259599"/>
+            <a:ext cx="1062683" cy="358344"/>
+          </a:xfrm>
+          <a:prstGeom prst="rect">
             <a:avLst/>
           </a:prstGeom>
+          <a:solidFill>
+            <a:schemeClr val="bg1">
+              <a:lumMod val="95000"/>
+            </a:schemeClr>
+          </a:solidFill>
+          <a:ln>
+            <a:solidFill>
+              <a:schemeClr val="bg1">
+                <a:lumMod val="75000"/>
+              </a:schemeClr>
+            </a:solidFill>
+          </a:ln>
         </p:spPr>
         <p:style>
           <a:lnRef idx="2">
@@ -3656,6 +4277,150 @@
           <a:lstStyle/>
           <a:p>
             <a:pPr algn="ctr"/>
+            <a:r>
+              <a:rPr lang="fr-FR" dirty="0">
+                <a:solidFill>
+                  <a:schemeClr val="tx1">
+                    <a:lumMod val="65000"/>
+                    <a:lumOff val="35000"/>
+                  </a:schemeClr>
+                </a:solidFill>
+                <a:latin typeface="+mj-lt"/>
+              </a:rPr>
+              <a:t>G</a:t>
+            </a:r>
+            <a:r>
+              <a:rPr lang="fr-FR" dirty="0" smtClean="0">
+                <a:solidFill>
+                  <a:schemeClr val="tx1">
+                    <a:lumMod val="65000"/>
+                    <a:lumOff val="35000"/>
+                  </a:schemeClr>
+                </a:solidFill>
+                <a:latin typeface="+mj-lt"/>
+              </a:rPr>
+              <a:t>arer</a:t>
+            </a:r>
+            <a:endParaRPr lang="fr-FR" dirty="0">
+              <a:solidFill>
+                <a:schemeClr val="tx1">
+                  <a:lumMod val="65000"/>
+                  <a:lumOff val="35000"/>
+                </a:schemeClr>
+              </a:solidFill>
+              <a:latin typeface="+mj-lt"/>
+            </a:endParaRPr>
+          </a:p>
+        </p:txBody>
+      </p:sp>
+      <p:sp>
+        <p:nvSpPr>
+          <p:cNvPr id="14" name="Rectangle 13"/>
+          <p:cNvSpPr/>
+          <p:nvPr/>
+        </p:nvSpPr>
+        <p:spPr>
+          <a:xfrm>
+            <a:off x="5972432" y="5585253"/>
+            <a:ext cx="1161534" cy="304800"/>
+          </a:xfrm>
+          <a:prstGeom prst="rect">
+            <a:avLst/>
+          </a:prstGeom>
+          <a:solidFill>
+            <a:schemeClr val="bg1">
+              <a:lumMod val="95000"/>
+            </a:schemeClr>
+          </a:solidFill>
+          <a:ln>
+            <a:solidFill>
+              <a:schemeClr val="bg1">
+                <a:lumMod val="75000"/>
+              </a:schemeClr>
+            </a:solidFill>
+          </a:ln>
+        </p:spPr>
+        <p:style>
+          <a:lnRef idx="2">
+            <a:schemeClr val="accent1">
+              <a:shade val="50000"/>
+            </a:schemeClr>
+          </a:lnRef>
+          <a:fillRef idx="1">
+            <a:schemeClr val="accent1"/>
+          </a:fillRef>
+          <a:effectRef idx="0">
+            <a:schemeClr val="accent1"/>
+          </a:effectRef>
+          <a:fontRef idx="minor">
+            <a:schemeClr val="lt1"/>
+          </a:fontRef>
+        </p:style>
+        <p:txBody>
+          <a:bodyPr rtlCol="0" anchor="ctr"/>
+          <a:lstStyle/>
+          <a:p>
+            <a:pPr algn="r"/>
+            <a:r>
+              <a:rPr lang="fr-FR" dirty="0" smtClean="0">
+                <a:solidFill>
+                  <a:schemeClr val="tx1">
+                    <a:lumMod val="65000"/>
+                    <a:lumOff val="35000"/>
+                  </a:schemeClr>
+                </a:solidFill>
+                <a:latin typeface="+mj-lt"/>
+              </a:rPr>
+              <a:t>Retour</a:t>
+            </a:r>
+            <a:endParaRPr lang="fr-FR" dirty="0">
+              <a:solidFill>
+                <a:schemeClr val="tx1">
+                  <a:lumMod val="65000"/>
+                  <a:lumOff val="35000"/>
+                </a:schemeClr>
+              </a:solidFill>
+              <a:latin typeface="+mj-lt"/>
+            </a:endParaRPr>
+          </a:p>
+        </p:txBody>
+      </p:sp>
+      <p:sp>
+        <p:nvSpPr>
+          <p:cNvPr id="15" name="Flèche courbée vers le bas 14"/>
+          <p:cNvSpPr/>
+          <p:nvPr/>
+        </p:nvSpPr>
+        <p:spPr>
+          <a:xfrm flipH="1">
+            <a:off x="6077461" y="5691832"/>
+            <a:ext cx="199770" cy="91641"/>
+          </a:xfrm>
+          <a:prstGeom prst="curvedDownArrow">
+            <a:avLst/>
+          </a:prstGeom>
+        </p:spPr>
+        <p:style>
+          <a:lnRef idx="2">
+            <a:schemeClr val="accent1">
+              <a:shade val="50000"/>
+            </a:schemeClr>
+          </a:lnRef>
+          <a:fillRef idx="1">
+            <a:schemeClr val="accent1"/>
+          </a:fillRef>
+          <a:effectRef idx="0">
+            <a:schemeClr val="accent1"/>
+          </a:effectRef>
+          <a:fontRef idx="minor">
+            <a:schemeClr val="lt1"/>
+          </a:fontRef>
+        </p:style>
+        <p:txBody>
+          <a:bodyPr rtlCol="0" anchor="ctr"/>
+          <a:lstStyle/>
+          <a:p>
+            <a:pPr algn="ctr"/>
             <a:endParaRPr lang="fr-FR">
               <a:solidFill>
                 <a:schemeClr val="tx1"/>
@@ -3667,7 +4432,7 @@
     </p:spTree>
     <p:extLst>
       <p:ext uri="{BB962C8B-B14F-4D97-AF65-F5344CB8AC3E}">
-        <p14:creationId xmlns:p14="http://schemas.microsoft.com/office/powerpoint/2010/main" val="1670707302"/>
+        <p14:creationId xmlns:p14="http://schemas.microsoft.com/office/powerpoint/2010/main" val="4001495657"/>
       </p:ext>
     </p:extLst>
   </p:cSld>
@@ -4022,8 +4787,8 @@
         </p:nvSpPr>
         <p:spPr>
           <a:xfrm>
-            <a:off x="1556951" y="2390003"/>
-            <a:ext cx="1046206" cy="1061829"/>
+            <a:off x="1556950" y="2390003"/>
+            <a:ext cx="2503275" cy="1061829"/>
           </a:xfrm>
           <a:prstGeom prst="rect">
             <a:avLst/>
@@ -4045,8 +4810,17 @@
               <a:rPr lang="fr-FR" sz="1200" dirty="0" smtClean="0">
                 <a:latin typeface="+mj-lt"/>
               </a:rPr>
-              <a:t>Ticket 1</a:t>
-            </a:r>
+              <a:t>Ticket </a:t>
+            </a:r>
+            <a:r>
+              <a:rPr lang="fr-FR" sz="1200" dirty="0" smtClean="0">
+                <a:latin typeface="+mj-lt"/>
+              </a:rPr>
+              <a:t>1 – PLAQUE IM</a:t>
+            </a:r>
+            <a:endParaRPr lang="fr-FR" sz="1200" dirty="0" smtClean="0">
+              <a:latin typeface="+mj-lt"/>
+            </a:endParaRPr>
           </a:p>
           <a:p>
             <a:pPr>
@@ -4161,7 +4935,19 @@
                 </a:solidFill>
                 <a:latin typeface="+mj-lt"/>
               </a:rPr>
-              <a:t>Gestion du ticket</a:t>
+              <a:t>Gestion du </a:t>
+            </a:r>
+            <a:r>
+              <a:rPr lang="fr-FR" u="sng" dirty="0" smtClean="0">
+                <a:solidFill>
+                  <a:schemeClr val="tx1">
+                    <a:lumMod val="65000"/>
+                    <a:lumOff val="35000"/>
+                  </a:schemeClr>
+                </a:solidFill>
+                <a:latin typeface="+mj-lt"/>
+              </a:rPr>
+              <a:t>ticket 1</a:t>
             </a:r>
             <a:endParaRPr lang="fr-FR" u="sng" dirty="0">
               <a:solidFill>
@@ -4184,7 +4970,7 @@
         <p:spPr>
           <a:xfrm>
             <a:off x="4622457" y="2391033"/>
-            <a:ext cx="2172731" cy="538609"/>
+            <a:ext cx="2172731" cy="1585049"/>
           </a:xfrm>
           <a:prstGeom prst="rect">
             <a:avLst/>
@@ -4206,7 +4992,19 @@
               <a:rPr lang="fr-FR" sz="1200" dirty="0" smtClean="0">
                 <a:latin typeface="+mj-lt"/>
               </a:rPr>
-              <a:t>Type : Super abonné</a:t>
+              <a:t>Véhicule </a:t>
+            </a:r>
+            <a:r>
+              <a:rPr lang="fr-FR" sz="1200" dirty="0" smtClean="0">
+                <a:latin typeface="+mj-lt"/>
+              </a:rPr>
+              <a:t>: </a:t>
+            </a:r>
+            <a:r>
+              <a:rPr lang="fr-FR" sz="1200" dirty="0" smtClean="0">
+                <a:latin typeface="+mj-lt"/>
+              </a:rPr>
+              <a:t>Voiture BMW</a:t>
             </a:r>
           </a:p>
           <a:p>
@@ -4219,7 +5017,62 @@
               <a:rPr lang="fr-FR" sz="1200" dirty="0" smtClean="0">
                 <a:latin typeface="+mj-lt"/>
               </a:rPr>
-              <a:t>Véhicule : Voiture</a:t>
+              <a:t>Parking :</a:t>
+            </a:r>
+            <a:endParaRPr lang="fr-FR" sz="1200" dirty="0" smtClean="0">
+              <a:latin typeface="+mj-lt"/>
+            </a:endParaRPr>
+          </a:p>
+          <a:p>
+            <a:pPr>
+              <a:spcAft>
+                <a:spcPts val="600"/>
+              </a:spcAft>
+            </a:pPr>
+            <a:r>
+              <a:rPr lang="fr-FR" sz="1200" dirty="0" smtClean="0">
+                <a:latin typeface="+mj-lt"/>
+              </a:rPr>
+              <a:t>Place n° :</a:t>
+            </a:r>
+            <a:endParaRPr lang="fr-FR" sz="1200" dirty="0" smtClean="0">
+              <a:latin typeface="+mj-lt"/>
+            </a:endParaRPr>
+          </a:p>
+          <a:p>
+            <a:pPr>
+              <a:spcAft>
+                <a:spcPts val="600"/>
+              </a:spcAft>
+            </a:pPr>
+            <a:endParaRPr lang="fr-FR" sz="1200" dirty="0">
+              <a:latin typeface="+mj-lt"/>
+            </a:endParaRPr>
+          </a:p>
+          <a:p>
+            <a:pPr>
+              <a:spcAft>
+                <a:spcPts val="600"/>
+              </a:spcAft>
+            </a:pPr>
+            <a:r>
+              <a:rPr lang="fr-FR" sz="1200" dirty="0" smtClean="0">
+                <a:latin typeface="+mj-lt"/>
+              </a:rPr>
+              <a:t>Maintenance</a:t>
+            </a:r>
+          </a:p>
+          <a:p>
+            <a:pPr>
+              <a:spcAft>
+                <a:spcPts val="600"/>
+              </a:spcAft>
+            </a:pPr>
+            <a:r>
+              <a:rPr lang="fr-FR" sz="1200" dirty="0" smtClean="0">
+                <a:latin typeface="+mj-lt"/>
+              </a:rPr>
+              <a:t>Entretien</a:t>
             </a:r>
             <a:endParaRPr lang="fr-FR" sz="1200" dirty="0">
               <a:latin typeface="+mj-lt"/>
@@ -4358,6 +5211,78 @@
                 <a:latin typeface="+mj-lt"/>
               </a:rPr>
               <a:t>Gestion livraison</a:t>
+            </a:r>
+            <a:endParaRPr lang="fr-FR" dirty="0">
+              <a:solidFill>
+                <a:schemeClr val="tx1">
+                  <a:lumMod val="65000"/>
+                  <a:lumOff val="35000"/>
+                </a:schemeClr>
+              </a:solidFill>
+              <a:latin typeface="+mj-lt"/>
+            </a:endParaRPr>
+          </a:p>
+        </p:txBody>
+      </p:sp>
+      <p:sp>
+        <p:nvSpPr>
+          <p:cNvPr id="20" name="Rectangle 19"/>
+          <p:cNvSpPr/>
+          <p:nvPr/>
+        </p:nvSpPr>
+        <p:spPr>
+          <a:xfrm>
+            <a:off x="5590516" y="3484117"/>
+            <a:ext cx="510855" cy="213089"/>
+          </a:xfrm>
+          <a:prstGeom prst="rect">
+            <a:avLst/>
+          </a:prstGeom>
+          <a:solidFill>
+            <a:schemeClr val="bg1">
+              <a:lumMod val="95000"/>
+            </a:schemeClr>
+          </a:solidFill>
+          <a:ln>
+            <a:solidFill>
+              <a:schemeClr val="bg1">
+                <a:lumMod val="75000"/>
+              </a:schemeClr>
+            </a:solidFill>
+          </a:ln>
+        </p:spPr>
+        <p:style>
+          <a:lnRef idx="2">
+            <a:schemeClr val="accent1">
+              <a:shade val="50000"/>
+            </a:schemeClr>
+          </a:lnRef>
+          <a:fillRef idx="1">
+            <a:schemeClr val="accent1"/>
+          </a:fillRef>
+          <a:effectRef idx="0">
+            <a:schemeClr val="accent1"/>
+          </a:effectRef>
+          <a:fontRef idx="minor">
+            <a:schemeClr val="lt1"/>
+          </a:fontRef>
+        </p:style>
+        <p:txBody>
+          <a:bodyPr rtlCol="0" anchor="ctr"/>
+          <a:lstStyle/>
+          <a:p>
+            <a:pPr algn="ctr"/>
+            <a:r>
+              <a:rPr lang="fr-FR" dirty="0" smtClean="0">
+                <a:solidFill>
+                  <a:schemeClr val="tx1">
+                    <a:lumMod val="65000"/>
+                    <a:lumOff val="35000"/>
+                  </a:schemeClr>
+                </a:solidFill>
+                <a:latin typeface="+mj-lt"/>
+              </a:rPr>
+              <a:t>Oui</a:t>
             </a:r>
             <a:endParaRPr lang="fr-FR" dirty="0">
               <a:solidFill>

--- a/Documentation/maquette.pptx
+++ b/Documentation/maquette.pptx
@@ -3310,13 +3310,7 @@
               <a:rPr lang="fr-FR" sz="1200" dirty="0" smtClean="0">
                 <a:latin typeface="+mj-lt"/>
               </a:rPr>
-              <a:t>Yoann </a:t>
-            </a:r>
-            <a:r>
-              <a:rPr lang="fr-FR" sz="1200" dirty="0" err="1" smtClean="0">
-                <a:latin typeface="+mj-lt"/>
-              </a:rPr>
-              <a:t>Gathignol</a:t>
+              <a:t>Yoann GATHIGNOL</a:t>
             </a:r>
             <a:endParaRPr lang="fr-FR" sz="1200" dirty="0" smtClean="0">
               <a:latin typeface="+mj-lt"/>
@@ -3332,8 +3326,11 @@
               <a:rPr lang="fr-FR" sz="1200" dirty="0" smtClean="0">
                 <a:latin typeface="+mj-lt"/>
               </a:rPr>
-              <a:t>Ticket 3</a:t>
-            </a:r>
+              <a:t>Clarisse LOU</a:t>
+            </a:r>
+            <a:endParaRPr lang="fr-FR" sz="1200" dirty="0" smtClean="0">
+              <a:latin typeface="+mj-lt"/>
+            </a:endParaRPr>
           </a:p>
           <a:p>
             <a:pPr>
@@ -3341,12 +3338,6 @@
                 <a:spcPts val="600"/>
               </a:spcAft>
             </a:pPr>
-            <a:r>
-              <a:rPr lang="fr-FR" sz="1200" dirty="0" smtClean="0">
-                <a:latin typeface="+mj-lt"/>
-              </a:rPr>
-              <a:t>Ticket 4</a:t>
-            </a:r>
             <a:endParaRPr lang="fr-FR" sz="1200" dirty="0">
               <a:latin typeface="+mj-lt"/>
             </a:endParaRPr>
@@ -4005,7 +3996,7 @@
               <a:rPr lang="fr-FR" sz="1200" dirty="0" smtClean="0">
                 <a:latin typeface="+mj-lt"/>
               </a:rPr>
-              <a:t>Voiture BMW</a:t>
+              <a:t>Voiture PLAQUE IM</a:t>
             </a:r>
             <a:endParaRPr lang="fr-FR" sz="1200" dirty="0" smtClean="0">
               <a:latin typeface="+mj-lt"/>
@@ -4124,7 +4115,7 @@
                 </a:solidFill>
                 <a:latin typeface="+mj-lt"/>
               </a:rPr>
-              <a:t>Voiture BMW</a:t>
+              <a:t>Voiture PLAQUE IM</a:t>
             </a:r>
             <a:endParaRPr lang="fr-FR" u="sng" dirty="0">
               <a:solidFill>
@@ -4171,12 +4162,9 @@
               </a:rPr>
               <a:t>Plaque : </a:t>
             </a:r>
-            <a:r>
-              <a:rPr lang="fr-FR" sz="1200" dirty="0" smtClean="0">
-                <a:latin typeface="+mj-lt"/>
-              </a:rPr>
-              <a:t>Super abonné</a:t>
-            </a:r>
+            <a:endParaRPr lang="fr-FR" sz="1200" dirty="0" smtClean="0">
+              <a:latin typeface="+mj-lt"/>
+            </a:endParaRPr>
           </a:p>
           <a:p>
             <a:pPr>
@@ -5129,7 +5117,7 @@
           <a:p>
             <a:pPr algn="ctr"/>
             <a:r>
-              <a:rPr lang="fr-FR" dirty="0" smtClean="0">
+              <a:rPr lang="fr-FR" smtClean="0">
                 <a:solidFill>
                   <a:schemeClr val="tx1">
                     <a:lumMod val="65000"/>
@@ -5138,7 +5126,19 @@
                 </a:solidFill>
                 <a:latin typeface="+mj-lt"/>
               </a:rPr>
-              <a:t>Récupérer véhicule</a:t>
+              <a:t>Récupérer </a:t>
+            </a:r>
+            <a:r>
+              <a:rPr lang="fr-FR" smtClean="0">
+                <a:solidFill>
+                  <a:schemeClr val="tx1">
+                    <a:lumMod val="65000"/>
+                    <a:lumOff val="35000"/>
+                  </a:schemeClr>
+                </a:solidFill>
+                <a:latin typeface="+mj-lt"/>
+              </a:rPr>
+              <a:t>le véhicule</a:t>
             </a:r>
             <a:endParaRPr lang="fr-FR" dirty="0">
               <a:solidFill>
